--- a/docs/Qdart.pptx
+++ b/docs/Qdart.pptx
@@ -5,14 +5,15 @@
     <p:sldMasterId id="2147483648" r:id="rId1"/>
   </p:sldMasterIdLst>
   <p:notesMasterIdLst>
-    <p:notesMasterId r:id="rId7"/>
+    <p:notesMasterId r:id="rId8"/>
   </p:notesMasterIdLst>
   <p:sldIdLst>
     <p:sldId id="256" r:id="rId2"/>
-    <p:sldId id="257" r:id="rId3"/>
-    <p:sldId id="258" r:id="rId4"/>
-    <p:sldId id="259" r:id="rId5"/>
-    <p:sldId id="260" r:id="rId6"/>
+    <p:sldId id="261" r:id="rId3"/>
+    <p:sldId id="257" r:id="rId4"/>
+    <p:sldId id="258" r:id="rId5"/>
+    <p:sldId id="259" r:id="rId6"/>
+    <p:sldId id="260" r:id="rId7"/>
   </p:sldIdLst>
   <p:sldSz cx="12192000" cy="6858000"/>
   <p:notesSz cx="6858000" cy="9144000"/>
@@ -111,6 +112,11 @@
       </a:defRPr>
     </a:lvl9pPr>
   </p:defaultTextStyle>
+  <p:extLst>
+    <p:ext uri="{EFAFB233-063F-42B5-8137-9DF3F51BA10A}">
+      <p15:sldGuideLst xmlns:p15="http://schemas.microsoft.com/office/powerpoint/2012/main"/>
+    </p:ext>
+  </p:extLst>
 </p:presentation>
 </file>
 
@@ -166,42 +172,6 @@
 </inkml:ink>
 </file>
 
-<file path=ppt/ink/ink2.xml><?xml version="1.0" encoding="utf-8"?>
-<inkml:ink xmlns:inkml="http://www.w3.org/2003/InkML">
-  <inkml:definitions>
-    <inkml:context xml:id="ctx0">
-      <inkml:inkSource xml:id="inkSrc0">
-        <inkml:traceFormat>
-          <inkml:channel name="X" type="integer" min="-2.14748E9" max="2.14748E9" units="cm"/>
-          <inkml:channel name="Y" type="integer" min="-2.14748E9" max="2.14748E9" units="cm"/>
-          <inkml:channel name="F" type="integer" max="32767" units="dev"/>
-        </inkml:traceFormat>
-        <inkml:channelProperties>
-          <inkml:channelProperty channel="X" name="resolution" value="1000" units="1/cm"/>
-          <inkml:channelProperty channel="Y" name="resolution" value="1000" units="1/cm"/>
-          <inkml:channelProperty channel="F" name="resolution" value="0" units="1/dev"/>
-        </inkml:channelProperties>
-      </inkml:inkSource>
-      <inkml:timestamp xml:id="ts0" timeString="2023-05-23T13:12:28.538"/>
-    </inkml:context>
-    <inkml:brush xml:id="br0">
-      <inkml:brushProperty name="width" value="0.05292" units="cm"/>
-      <inkml:brushProperty name="height" value="0.05292" units="cm"/>
-      <inkml:brushProperty name="color" value="#FF0000"/>
-    </inkml:brush>
-  </inkml:definitions>
-  <inkml:trace contextRef="#ctx0" brushRef="#br0">7254 6196 24575,'24'0'0,"-1"0"0,4 0 0,5 0-1639,-4 0 1,1 0 1300,13 0 1,5 0 337,-4 0 0,3 0 0,2 0 0,-4 0 0,1 0 0,2 0 0,1 0-576,-3 0 1,2 0-1,1 0 1,0 0-1,0 0 576,2 0 0,0 0 0,1 0 0,-2 0 0,-1 0 0,0 0 0,-2 0 0,0 0 0,1 0 0,-6 0 0,1 0 0,0 0 0,0 0 0,-3 0-203,12 0 0,-4 0 0,4 0 203,-12 0 0,2 0 0,2 0 0,-2 0 0,-2 0 0,12 0 0,-2 0 0,0 0-925,1 0 0,1 0 0,-3 0 925,-10 0 0,-1 0 0,3 0 0,1 0 0,2 0 0,3 0 0,-1 0 0,-5-1 0,-1-1 0,2 0 0,-1 0 0,2 1 0,4-1 0,1 0 0,1 0 0,0 0 0,-1 0 0,-2-1 0,0-1 0,-1 1 0,-1-1 0,-2 1 0,9-1 0,-2 1 0,0 1 0,-9-1 0,1 2 0,0-1 0,-3 1 74,0 0 0,-3 2 1,3-1-75,-1 0 0,2 0 0,0 0 0,0 0 0,9 0 0,0 0 0,1 0 0,-7 0 0,1 0 0,0 0 0,-2 0-55,6 0 1,-2 0 0,0 0 54,2 0 0,1 0 0,-3 0 0,-9 0 0,-2 0 0,2 0 67,10 0 1,1 0 0,1 0-68,-3 0 0,0 0 0,1 0 0,-1 0 0,1 0 0,0 0 0,-2 0 0,3 0 0,-2 0 0,0 0 306,3 0 1,0 0-1,-3 0-306,1-3 0,1-1 0,-3 1 0,3 0 0,-1 0 51,-4 0 1,-1 0-1,2 0-51,-5 1 0,2-1 0,1 1 0,-3 1 0,4 1 0,-3 0 0,-2 0 0,0 0 0,-3 0 1375,-5 0 0,-1 0-1375,0 0 0,1 0 0,9 0 0,3 0 0,-8 0 0,3 0 0,-2 0-96,12 0 1,0 0 95,-1 0 0,-1 0 0,-4 0 0,-1 0 850,-2 0 1,-2 0-851,9 0 297,-13 0 1,-27 0-1,-1 0 1</inkml:trace>
-  <inkml:trace contextRef="#ctx0" brushRef="#br0" timeOffset="3000">16009 6275 24575,'27'0'0,"-4"0"0,6 0 0,9 0 0,-1 0-1639,7 0 1,2 0 818,-10 0 1,2 0 0,2 0 0,-2 0-28,10 0 0,-1 0 0,0 0 847,1 0 0,0 0 0,0 0 0,-10 0 0,0 0 0,1 0 0,2 0 0,5 0 0,4 0 0,1 0 0,1 0 0,-2 0 0,0 0 0,-2 0 0,1 0 0,1 0 0,2 0 0,-6 0 0,2 0 0,2 0 0,0 0 0,-1 0 0,-1 0 0,-3 0-448,4 0 0,-2 0 0,-1 0 0,-2 0 0,1 0 448,-1 0 0,-1 0 0,0 0 0,-1 0 0,-3 0 0,9 0 0,-2 0 0,1 0-412,-1 0 1,1 0 0,1 0 0,2 0 411,-6 0 0,1 0 0,1 0 0,-1 0 0,0 0-169,-3 0 1,-1 0 0,-1 0 0,1 0 0,0 0 168,10 0 0,1 0 0,-2 0 0,-4 0 0,-5 0 0,-3 0 0,1 0 94,3 0 1,0 0 0,0 0-95,-3 0 0,-1 0 0,3 0 351,3 0 0,3 0 0,1 0 0,0 0-351,-8 0 0,-1 0 0,1 0 0,1 0 0,1 0 0,0 0 0,2 0 0,0 0 0,1 0 0,-2 0 0,-2 0-171,9 0 0,-2 0 1,-2 0-1,0 0 171,-1 0 0,0 0 0,-2 0 0,-3 0 0,-3 0 0,-4 0 0,0 0 831,13 0 0,0 0-831,-3 3 0,2 1 411,-9-1 1,1 0 0,1-1-412,0 1 0,1 0 0,3 0 0,0 1 0,2 0 0,1 0 0,1-2 0,3 0 0,1-2 0,-1 0 0,-4 0 0,-1 3 0,-3 0 0,-1-1 0,1-2 0,-1 0 0,-13 0 526,-16 0 0,-5 0 1,-4 0-1</inkml:trace>
-  <inkml:trace contextRef="#ctx0" brushRef="#br0" timeOffset="15834">18395 11950 24575,'-10'-11'0,"1"1"0,-4-1 0,4 2 0,1 1 0,1 3 0,-4-3 0,-3 0 0,0-1 0,-4-1 0,8 4 0,-7-2 0,-3 2 0,4 1 0,-11 2 0,17 1 0,-3 2 0,5-3 0,2 3 0,-4-3 0,-4 3 0,0 3 0,-2-3 0,2 5 0,6-4 0,0 3 0,-8 0 0,1 2 0,-3-2 0,-5 8 0,-4 1 0,2-1 0,-1 0 0,-11 4 0,0 0 0,27-13 0,4 2 0,1 0 0,0 1 0,1 4 0,0-4 0,3 10 0,-4-6 0,5 11 0,-3-1 0,3 6 0,0-5 0,0-5 0,-2-5 0,1-3 0,-4 5 0,5 7 0,-5-5 0,4 4 0,-1-9 0,2 9 0,0-4 0,0 13 0,2-13 0,-1 10 0,4-8 0,0 3 0,2 4 0,3-4 0,3 11 0,-1-11 0,2 10 0,2-6 0,-7-6 0,4-2 0,-8-10 0,3 1 0,0 2 0,3-1 0,0 0 0,-1-3 0,-1-2 0,1 0 0,-4-3 0,4 0 0,-4 0 0,4 0 0,1 0 0,8 0 0,-6 0 0,5 0 0,-9 0 0,10 0 0,-2-3 0,11 3 0,-8-3 0,-2 3 0,-8 0 0,-5 0 0,0 0 0,1 0 0,-1 0 0,1 0 0,-1 0 0,7 0 0,-4-2 0,7-1 0,-7 0 0,0-2 0,2 4 0,-4-1 0,5-3 0,-1 1 0,2-6 0,3 2 0,-6-1 0,4-1 0,-7 1 0,1-1 0,5-12 0,-6 11 0,10-16 0,-9 20 0,5-9 0,-3 7 0,-1 1 0,-3-2 0,0 1 0,-2-4 0,0 4 0,4-6 0,-6 8 0,4-5 0,-5 6 0,0-2 0,0 2 0,4-10 0,-3 1 0,2-8 0,-3 0 0,0 8 0,0-3 0,0 7 0,0 2 0,0 2 0,0 1 0,0 1 0,0-1 0,0 1 0,0-1 0,-2 1 0,1 0 0,-4-1 0,5 1 0,-3-1 0,3-2 0,0 5 0,0-2 0</inkml:trace>
-  <inkml:trace contextRef="#ctx0" brushRef="#br0" timeOffset="28500">20323 11349 24575,'49'0'0,"-20"0"0,2 0 0,12 0 0,2 0-1639,2 0 1,2 0 545,-12 0 1,1 0 0,2 0 1065,3 0 0,4 0 0,1 0 0,2 0 27,-7 0 0,2 0 0,0 0 0,2 0 0,1 0 0,-2 0 0,3 0 0,0 0 0,0 0 0,0 0 0,-3 0-656,2 0 1,-2 0-1,0 0 1,-2 0 0,1 0 511,7 0 1,-1 0-1,-1 0 1,-4 0 143,-5 0 0,-4 0 0,3 0 404,9 0 0,2 0 1,-2 0-405,-13 0 0,-2 0 0,0 0 0,17 0 0,-5 0 0,0 0 2430,-36 0-2430,-2 0 3276,-3 0-975,1 0-1008,7-3-1293,3 2 0,4-3 0,-3 4 0,-6 0 0,-3 0 0,0 0 0,-2 0 0,1 0 0,-1 0 0,-3 0 0,-1 0 0</inkml:trace>
-  <inkml:trace contextRef="#ctx0" brushRef="#br0" timeOffset="33467">26151 12776 24575,'28'-5'0,"-1"0"0,8 0 0,4-1 0,0 2 0,-4 2 0,1 3 0,3-2-820,5-2 1,4-2 0,2 0 0,-2 1-1,-2 1 1,-2 0 0,2 0 0,4 0 350,-8 1 1,2-1 0,3 0 0,1 0 0,1 0 0,-1 0 0,-1-1 99,-1 0 1,-1 0 0,0-1-1,0 1 1,1-1 0,0 1-1,1 0 369,0 1 0,1 0 0,2 0 0,0 0 0,-1 1 0,-1-1 0,-2 0 0,-4 0 0,5-1 0,-3 0 0,-2-1 0,-2 1 0,-2 1 0,13-1 0,-2 1 0,-19 1 2116,-22 2-2116,10 0 0,22 4 0,6 0 0,-6-4 0,2 2-711,5 2 1,5 2-1,-2-1 711,-10-1 0,-2-1 0,1 1 0,4-1 0,1 1 0,-1-1 0,1 0 0,1 0 0,-4-1 546,0-2 0,-3 0 0,-4 0 0,-9 0 0,-17 0 0</inkml:trace>
-  <inkml:trace contextRef="#ctx0" brushRef="#br0" timeOffset="43777">13334 11837 24575,'-27'30'0,"12"0"0,-1-6 0,0 0 0,-3 22 0,4-10 0,7-13 0,-1 1 0,0 7 0,-1 4 0,-1-4 0,-2 3 0,2 2-978,-1 9 0,2 3 0,-1 1 978,0-5 0,-2 2 0,1 0 0,2-2-783,0 3 1,2-2-1,1 0 783,0 0 0,1 1 0,2-3 0,-1 1 0,3 0 0,1-2 0,1 2 0,1-4 0,-1-2 0,0-1 0,-1 11 0,2-9 0,1-26 0,1-5 0,0-5 0,0 0 0</inkml:trace>
-  <inkml:trace contextRef="#ctx0" brushRef="#br0" timeOffset="44768">13625 12401 24575,'-9'-3'0,"1"-2"0,-4 5 0,-9-3 0,-2 3 0,-5 0 0,11 0 0,-5 7 0,-7 9 0,-8 16 0,11 4 0,0 4-906,4-5 0,3 0 906,3 3 0,4-1 0,-2 5 0,14-10 0,0-9 0,0 9 0,6-5 0,6-9 0,-1-3 1812,10-1-1812,-13-10 0,16 3 0,-8-1 0,2-5 0,-5 3 0,-7-4 0,-1 0 0,3 0 0,-2 0 0,2 0 0,-1 0 0,7-5 0,-2-1 0,1-5 0,-4-6 0,13-9 0,-3-11 0,8 0 0,-11-3 0,-6 8 0,-2 0 0,-4 8 0,0 3 0,-2 7 0,-1 2 0,1-3 0,-2 6 0,0-2 0,0 4 0,-2 1 0,1 3 0,-1 1 0</inkml:trace>
-  <inkml:trace contextRef="#ctx0" brushRef="#br0" timeOffset="45367">13351 12635 24575,'26'12'0,"2"-1"0,14 9 0,-10-9 0,11 4 0,-23-11 0,-5-2 0,5 2 0,-5 0 0,-1-1 0,-9-3 0</inkml:trace>
-  <inkml:trace contextRef="#ctx0" brushRef="#br0" timeOffset="46473">13820 11908 24575,'-3'6'0,"4"7"0,7 3 0,8 19 0,0 3-348,-4-13 1,0 1 347,-3-2 0,1 2 0,4 5 0,0 0 0,7 10 0,-5-2 171,-6-17-171,-9-12 0,2 17 0,-3-3 0,0 17 0,0 2-848,0-13 1,0 2 847,0 1 0,0-1 0,0 1 0,0-1-27,0 0 1,0-2 26,0 8 0,0-10 0,0-7 0,0-5 0,0 19 0,-5-4 0,-1-1 0,-1 8 0,-1-11 0,-2-3 0,-3-8 1690,2-6-1690,-2 4 582,-6-4-582,0-3 0,1 1 0,2-4 0,10-2 0,-2-1 0,3 3 0,-1-3 0,1 4 0,0-2 0,-1 5 0,-2-2 0,-12 16 0,9-13 0,-9 10 0,14-13 0,1-3 0,-1-1 0,1 0 0,2-1 0,1 1 0</inkml:trace>
-</inkml:ink>
-</file>
-
 <file path=ppt/notesMasters/notesMaster1.xml><?xml version="1.0" encoding="utf-8"?>
 <p:notesMaster xmlns:a="http://schemas.openxmlformats.org/drawingml/2006/main" xmlns:r="http://schemas.openxmlformats.org/officeDocument/2006/relationships" xmlns:p="http://schemas.openxmlformats.org/presentationml/2006/main">
   <p:cSld>
@@ -283,7 +253,7 @@
           </a:lstStyle>
           <a:p>
             <a:fld id="{C7900E67-79E4-7848-877C-E8C70D872B39}" type="datetimeFigureOut">
-              <a:t>23/05/2023</a:t>
+              <a:t>27/05/2023</a:t>
             </a:fld>
             <a:endParaRPr lang="en-VN"/>
           </a:p>
@@ -698,7 +668,7 @@
           <a:lstStyle/>
           <a:p>
             <a:fld id="{64F84CA6-76A6-5448-8D91-609596296FA5}" type="datetime1">
-              <a:t>5/23/23</a:t>
+              <a:t>27/05/2023</a:t>
             </a:fld>
             <a:endParaRPr lang="en-VN"/>
           </a:p>
@@ -896,7 +866,7 @@
           <a:lstStyle/>
           <a:p>
             <a:fld id="{00CD4E01-FF61-8F4D-8F4A-57EAA38A56D8}" type="datetime1">
-              <a:t>5/23/23</a:t>
+              <a:t>27/05/2023</a:t>
             </a:fld>
             <a:endParaRPr lang="en-VN"/>
           </a:p>
@@ -1104,7 +1074,7 @@
           <a:lstStyle/>
           <a:p>
             <a:fld id="{D161ECF2-DBF1-8C44-962D-638296441810}" type="datetime1">
-              <a:t>5/23/23</a:t>
+              <a:t>27/05/2023</a:t>
             </a:fld>
             <a:endParaRPr lang="en-VN"/>
           </a:p>
@@ -1302,7 +1272,7 @@
           <a:lstStyle/>
           <a:p>
             <a:fld id="{31D65FBB-D671-B841-A0FE-02D1D79A9E5B}" type="datetime1">
-              <a:t>5/23/23</a:t>
+              <a:t>27/05/2023</a:t>
             </a:fld>
             <a:endParaRPr lang="en-VN"/>
           </a:p>
@@ -1576,7 +1546,7 @@
           <a:lstStyle/>
           <a:p>
             <a:fld id="{655BBE49-E42D-F446-9110-C2E11E93AC76}" type="datetime1">
-              <a:t>5/23/23</a:t>
+              <a:t>27/05/2023</a:t>
             </a:fld>
             <a:endParaRPr lang="en-VN"/>
           </a:p>
@@ -1842,7 +1812,7 @@
           <a:lstStyle/>
           <a:p>
             <a:fld id="{535573D1-A195-124A-9ABA-FCFCD6A9BE81}" type="datetime1">
-              <a:t>5/23/23</a:t>
+              <a:t>27/05/2023</a:t>
             </a:fld>
             <a:endParaRPr lang="en-VN"/>
           </a:p>
@@ -2255,7 +2225,7 @@
           <a:lstStyle/>
           <a:p>
             <a:fld id="{EB485265-9072-3141-B3C4-E0C45AD0A194}" type="datetime1">
-              <a:t>5/23/23</a:t>
+              <a:t>27/05/2023</a:t>
             </a:fld>
             <a:endParaRPr lang="en-VN"/>
           </a:p>
@@ -2395,7 +2365,7 @@
           <a:lstStyle/>
           <a:p>
             <a:fld id="{31880297-E8B9-6F4D-A78C-7AEDE6628B4C}" type="datetime1">
-              <a:t>5/23/23</a:t>
+              <a:t>27/05/2023</a:t>
             </a:fld>
             <a:endParaRPr lang="en-VN"/>
           </a:p>
@@ -2506,7 +2476,7 @@
           <a:lstStyle/>
           <a:p>
             <a:fld id="{9704B825-5A1F-6B47-846B-E3028732FB7E}" type="datetime1">
-              <a:t>5/23/23</a:t>
+              <a:t>27/05/2023</a:t>
             </a:fld>
             <a:endParaRPr lang="en-VN"/>
           </a:p>
@@ -2817,7 +2787,7 @@
           <a:lstStyle/>
           <a:p>
             <a:fld id="{F8B33CF8-48E2-4047-BA3A-A8AAE65E4AE6}" type="datetime1">
-              <a:t>5/23/23</a:t>
+              <a:t>27/05/2023</a:t>
             </a:fld>
             <a:endParaRPr lang="en-VN"/>
           </a:p>
@@ -3104,7 +3074,7 @@
           <a:lstStyle/>
           <a:p>
             <a:fld id="{F17A4069-EF9C-D94E-BD43-6486AB59AFF4}" type="datetime1">
-              <a:t>5/23/23</a:t>
+              <a:t>27/05/2023</a:t>
             </a:fld>
             <a:endParaRPr lang="en-VN"/>
           </a:p>
@@ -3345,7 +3315,7 @@
           </a:lstStyle>
           <a:p>
             <a:fld id="{DF4CA3BB-5B5B-1341-BC29-9532CBEA7572}" type="datetime1">
-              <a:t>5/23/23</a:t>
+              <a:t>27/05/2023</a:t>
             </a:fld>
             <a:endParaRPr lang="en-VN"/>
           </a:p>
@@ -3873,12 +3843,40 @@
           <a:chExt cx="0" cy="0"/>
         </a:xfrm>
       </p:grpSpPr>
+      <p:sp>
+        <p:nvSpPr>
+          <p:cNvPr id="2" name="Title 1">
+            <a:extLst>
+              <a:ext uri="{FF2B5EF4-FFF2-40B4-BE49-F238E27FC236}">
+                <a16:creationId xmlns:a16="http://schemas.microsoft.com/office/drawing/2014/main" id="{40E68E64-2FC5-B1FC-CA2D-26F4358E5355}"/>
+              </a:ext>
+            </a:extLst>
+          </p:cNvPr>
+          <p:cNvSpPr>
+            <a:spLocks noGrp="1"/>
+          </p:cNvSpPr>
+          <p:nvPr>
+            <p:ph type="title"/>
+          </p:nvPr>
+        </p:nvSpPr>
+        <p:spPr/>
+        <p:txBody>
+          <a:bodyPr/>
+          <a:lstStyle/>
+          <a:p>
+            <a:r>
+              <a:rPr lang="en-VN"/>
+              <a:t>Quantum compilation scheme</a:t>
+            </a:r>
+          </a:p>
+        </p:txBody>
+      </p:sp>
       <p:pic>
         <p:nvPicPr>
-          <p:cNvPr id="5" name="Content Placeholder 4" descr="A picture containing text, screenshot, font, document&#10;&#10;Description automatically generated">
-            <a:extLst>
-              <a:ext uri="{FF2B5EF4-FFF2-40B4-BE49-F238E27FC236}">
-                <a16:creationId xmlns:a16="http://schemas.microsoft.com/office/drawing/2014/main" id="{3E7E9CF5-7A81-391B-A6B9-B805BB6490D8}"/>
+          <p:cNvPr id="6" name="Content Placeholder 5" descr="A picture containing text, screenshot, line, diagram&#10;&#10;Description automatically generated">
+            <a:extLst>
+              <a:ext uri="{FF2B5EF4-FFF2-40B4-BE49-F238E27FC236}">
+                <a16:creationId xmlns:a16="http://schemas.microsoft.com/office/drawing/2014/main" id="{6B0C28E5-15F5-FEF5-1803-7C07732C81CB}"/>
               </a:ext>
             </a:extLst>
           </p:cNvPr>
@@ -3897,17 +3895,17 @@
         </p:blipFill>
         <p:spPr>
           <a:xfrm>
-            <a:off x="640286" y="94837"/>
-            <a:ext cx="7708583" cy="6668325"/>
+            <a:off x="977900" y="1889919"/>
+            <a:ext cx="9004300" cy="4267200"/>
           </a:xfrm>
         </p:spPr>
       </p:pic>
       <p:sp>
         <p:nvSpPr>
-          <p:cNvPr id="6" name="Slide Number Placeholder 5">
-            <a:extLst>
-              <a:ext uri="{FF2B5EF4-FFF2-40B4-BE49-F238E27FC236}">
-                <a16:creationId xmlns:a16="http://schemas.microsoft.com/office/drawing/2014/main" id="{148CE3AF-963D-263A-A2E9-28CBF8F38D41}"/>
+          <p:cNvPr id="4" name="Slide Number Placeholder 3">
+            <a:extLst>
+              <a:ext uri="{FF2B5EF4-FFF2-40B4-BE49-F238E27FC236}">
+                <a16:creationId xmlns:a16="http://schemas.microsoft.com/office/drawing/2014/main" id="{14559AB3-E3F4-15DC-13B8-034580531F0D}"/>
               </a:ext>
             </a:extLst>
           </p:cNvPr>
@@ -3924,16 +3922,154 @@
           <a:lstStyle/>
           <a:p>
             <a:fld id="{2A9E6CE3-ADFE-3548-8E7C-607B4D8A6BDF}" type="slidenum">
+              <a:rPr lang="en-VN"/>
               <a:t>2</a:t>
             </a:fld>
             <a:endParaRPr lang="en-VN"/>
           </a:p>
         </p:txBody>
       </p:sp>
+      <mc:AlternateContent xmlns:mc="http://schemas.openxmlformats.org/markup-compatibility/2006">
+        <mc:Choice xmlns:a14="http://schemas.microsoft.com/office/drawing/2010/main" Requires="a14">
+          <p:sp>
+            <p:nvSpPr>
+              <p:cNvPr id="7" name="TextBox 6">
+                <a:extLst>
+                  <a:ext uri="{FF2B5EF4-FFF2-40B4-BE49-F238E27FC236}">
+                    <a16:creationId xmlns:a16="http://schemas.microsoft.com/office/drawing/2014/main" id="{53A06AD3-C3F3-FADA-D510-5205B0D9247F}"/>
+                  </a:ext>
+                </a:extLst>
+              </p:cNvPr>
+              <p:cNvSpPr txBox="1"/>
+              <p:nvPr/>
+            </p:nvSpPr>
+            <p:spPr>
+              <a:xfrm>
+                <a:off x="2971799" y="1701694"/>
+                <a:ext cx="4833257" cy="376450"/>
+              </a:xfrm>
+              <a:prstGeom prst="rect">
+                <a:avLst/>
+              </a:prstGeom>
+              <a:noFill/>
+            </p:spPr>
+            <p:txBody>
+              <a:bodyPr wrap="square" rtlCol="0">
+                <a:spAutoFit/>
+              </a:bodyPr>
+              <a:lstStyle/>
+              <a:p>
+                <a:r>
+                  <a:rPr lang="en-VN"/>
+                  <a:t>What is the best structure for </a:t>
+                </a:r>
+                <a14:m>
+                  <m:oMath xmlns:m="http://schemas.openxmlformats.org/officeDocument/2006/math">
+                    <m:sSup>
+                      <m:sSupPr>
+                        <m:ctrlPr>
+                          <a:rPr lang="vi-VN" b="0" i="1">
+                            <a:latin typeface="Cambria Math" panose="02040503050406030204" pitchFamily="18" charset="0"/>
+                          </a:rPr>
+                        </m:ctrlPr>
+                      </m:sSupPr>
+                      <m:e>
+                        <m:r>
+                          <m:rPr>
+                            <m:sty m:val="p"/>
+                          </m:rPr>
+                          <a:rPr lang="en-VN" i="1">
+                            <a:latin typeface="Cambria Math" panose="02040503050406030204" pitchFamily="18" charset="0"/>
+                          </a:rPr>
+                          <m:t>V</m:t>
+                        </m:r>
+                      </m:e>
+                      <m:sup>
+                        <m:r>
+                          <a:rPr lang="en-VN" i="1">
+                            <a:latin typeface="Cambria Math" panose="02040503050406030204" pitchFamily="18" charset="0"/>
+                            <a:ea typeface="Cambria Math" panose="02040503050406030204" pitchFamily="18" charset="0"/>
+                          </a:rPr>
+                          <m:t>†</m:t>
+                        </m:r>
+                      </m:sup>
+                    </m:sSup>
+                    <m:d>
+                      <m:dPr>
+                        <m:ctrlPr>
+                          <a:rPr lang="vi-VN" b="0" i="1">
+                            <a:latin typeface="Cambria Math" panose="02040503050406030204" pitchFamily="18" charset="0"/>
+                          </a:rPr>
+                        </m:ctrlPr>
+                      </m:dPr>
+                      <m:e>
+                        <m:r>
+                          <a:rPr lang="vi-VN" b="0" i="1">
+                            <a:latin typeface="Cambria Math" panose="02040503050406030204" pitchFamily="18" charset="0"/>
+                          </a:rPr>
+                          <m:t>𝜃</m:t>
+                        </m:r>
+                      </m:e>
+                    </m:d>
+                  </m:oMath>
+                </a14:m>
+                <a:r>
+                  <a:rPr lang="en-VN"/>
+                  <a:t>?</a:t>
+                </a:r>
+              </a:p>
+            </p:txBody>
+          </p:sp>
+        </mc:Choice>
+        <mc:Fallback>
+          <p:sp>
+            <p:nvSpPr>
+              <p:cNvPr id="7" name="TextBox 6">
+                <a:extLst>
+                  <a:ext uri="{FF2B5EF4-FFF2-40B4-BE49-F238E27FC236}">
+                    <a16:creationId xmlns:a16="http://schemas.microsoft.com/office/drawing/2014/main" id="{53A06AD3-C3F3-FADA-D510-5205B0D9247F}"/>
+                  </a:ext>
+                </a:extLst>
+              </p:cNvPr>
+              <p:cNvSpPr txBox="1">
+                <a:spLocks noRot="1" noChangeAspect="1" noMove="1" noResize="1" noEditPoints="1" noAdjustHandles="1" noChangeArrowheads="1" noChangeShapeType="1" noTextEdit="1"/>
+              </p:cNvSpPr>
+              <p:nvPr/>
+            </p:nvSpPr>
+            <p:spPr>
+              <a:xfrm>
+                <a:off x="2971799" y="1701694"/>
+                <a:ext cx="4833257" cy="376450"/>
+              </a:xfrm>
+              <a:prstGeom prst="rect">
+                <a:avLst/>
+              </a:prstGeom>
+              <a:blipFill>
+                <a:blip r:embed="rId3"/>
+                <a:stretch>
+                  <a:fillRect l="-1047" t="-3226" b="-25806"/>
+                </a:stretch>
+              </a:blipFill>
+            </p:spPr>
+            <p:txBody>
+              <a:bodyPr/>
+              <a:lstStyle/>
+              <a:p>
+                <a:r>
+                  <a:rPr lang="en-VN">
+                    <a:noFill/>
+                  </a:rPr>
+                  <a:t> </a:t>
+                </a:r>
+              </a:p>
+            </p:txBody>
+          </p:sp>
+        </mc:Fallback>
+      </mc:AlternateContent>
     </p:spTree>
     <p:extLst>
       <p:ext uri="{BB962C8B-B14F-4D97-AF65-F5344CB8AC3E}">
-        <p14:creationId xmlns:p14="http://schemas.microsoft.com/office/powerpoint/2010/main" val="1670070994"/>
+        <p14:creationId xmlns:p14="http://schemas.microsoft.com/office/powerpoint/2010/main" val="3210114238"/>
       </p:ext>
     </p:extLst>
   </p:cSld>
@@ -3960,8 +4096,147 @@
           <a:chExt cx="0" cy="0"/>
         </a:xfrm>
       </p:grpSpPr>
-      <mc:AlternateContent xmlns:mc="http://schemas.openxmlformats.org/markup-compatibility/2006">
-        <mc:Choice xmlns:a14="http://schemas.microsoft.com/office/drawing/2010/main" Requires="a14">
+      <p:pic>
+        <p:nvPicPr>
+          <p:cNvPr id="5" name="Content Placeholder 4" descr="A picture containing text, screenshot, font, document&#10;&#10;Description automatically generated">
+            <a:extLst>
+              <a:ext uri="{FF2B5EF4-FFF2-40B4-BE49-F238E27FC236}">
+                <a16:creationId xmlns:a16="http://schemas.microsoft.com/office/drawing/2014/main" id="{3E7E9CF5-7A81-391B-A6B9-B805BB6490D8}"/>
+              </a:ext>
+            </a:extLst>
+          </p:cNvPr>
+          <p:cNvPicPr>
+            <a:picLocks noGrp="1" noChangeAspect="1"/>
+          </p:cNvPicPr>
+          <p:nvPr>
+            <p:ph idx="1"/>
+          </p:nvPr>
+        </p:nvPicPr>
+        <p:blipFill>
+          <a:blip r:embed="rId2"/>
+          <a:stretch>
+            <a:fillRect/>
+          </a:stretch>
+        </p:blipFill>
+        <p:spPr>
+          <a:xfrm>
+            <a:off x="640286" y="94837"/>
+            <a:ext cx="7708583" cy="6668325"/>
+          </a:xfrm>
+        </p:spPr>
+      </p:pic>
+      <p:sp>
+        <p:nvSpPr>
+          <p:cNvPr id="6" name="Slide Number Placeholder 5">
+            <a:extLst>
+              <a:ext uri="{FF2B5EF4-FFF2-40B4-BE49-F238E27FC236}">
+                <a16:creationId xmlns:a16="http://schemas.microsoft.com/office/drawing/2014/main" id="{148CE3AF-963D-263A-A2E9-28CBF8F38D41}"/>
+              </a:ext>
+            </a:extLst>
+          </p:cNvPr>
+          <p:cNvSpPr>
+            <a:spLocks noGrp="1"/>
+          </p:cNvSpPr>
+          <p:nvPr>
+            <p:ph type="sldNum" sz="quarter" idx="12"/>
+          </p:nvPr>
+        </p:nvSpPr>
+        <p:spPr/>
+        <p:txBody>
+          <a:bodyPr/>
+          <a:lstStyle/>
+          <a:p>
+            <a:fld id="{2A9E6CE3-ADFE-3548-8E7C-607B4D8A6BDF}" type="slidenum">
+              <a:t>3</a:t>
+            </a:fld>
+            <a:endParaRPr lang="en-VN"/>
+          </a:p>
+        </p:txBody>
+      </p:sp>
+      <p:sp>
+        <p:nvSpPr>
+          <p:cNvPr id="2" name="Rectangle 1">
+            <a:extLst>
+              <a:ext uri="{FF2B5EF4-FFF2-40B4-BE49-F238E27FC236}">
+                <a16:creationId xmlns:a16="http://schemas.microsoft.com/office/drawing/2014/main" id="{9BE2FAA0-1E9F-4AA7-5BBC-47915D444CE0}"/>
+              </a:ext>
+            </a:extLst>
+          </p:cNvPr>
+          <p:cNvSpPr/>
+          <p:nvPr/>
+        </p:nvSpPr>
+        <p:spPr>
+          <a:xfrm>
+            <a:off x="2177143" y="2002971"/>
+            <a:ext cx="2982686" cy="348343"/>
+          </a:xfrm>
+          <a:prstGeom prst="rect">
+            <a:avLst/>
+          </a:prstGeom>
+          <a:noFill/>
+          <a:ln>
+            <a:solidFill>
+              <a:srgbClr val="FF0000"/>
+            </a:solidFill>
+          </a:ln>
+        </p:spPr>
+        <p:style>
+          <a:lnRef idx="2">
+            <a:schemeClr val="accent1">
+              <a:shade val="15000"/>
+            </a:schemeClr>
+          </a:lnRef>
+          <a:fillRef idx="1">
+            <a:schemeClr val="accent1"/>
+          </a:fillRef>
+          <a:effectRef idx="0">
+            <a:schemeClr val="accent1"/>
+          </a:effectRef>
+          <a:fontRef idx="minor">
+            <a:schemeClr val="lt1"/>
+          </a:fontRef>
+        </p:style>
+        <p:txBody>
+          <a:bodyPr rtlCol="0" anchor="ctr"/>
+          <a:lstStyle/>
+          <a:p>
+            <a:pPr algn="ctr"/>
+            <a:endParaRPr lang="en-VN"/>
+          </a:p>
+        </p:txBody>
+      </p:sp>
+    </p:spTree>
+    <p:extLst>
+      <p:ext uri="{BB962C8B-B14F-4D97-AF65-F5344CB8AC3E}">
+        <p14:creationId xmlns:p14="http://schemas.microsoft.com/office/powerpoint/2010/main" val="1670070994"/>
+      </p:ext>
+    </p:extLst>
+  </p:cSld>
+  <p:clrMapOvr>
+    <a:masterClrMapping/>
+  </p:clrMapOvr>
+</p:sld>
+</file>
+
+<file path=ppt/slides/slide4.xml><?xml version="1.0" encoding="utf-8"?>
+<p:sld xmlns:a="http://schemas.openxmlformats.org/drawingml/2006/main" xmlns:r="http://schemas.openxmlformats.org/officeDocument/2006/relationships" xmlns:p="http://schemas.openxmlformats.org/presentationml/2006/main">
+  <p:cSld>
+    <p:spTree>
+      <p:nvGrpSpPr>
+        <p:cNvPr id="1" name=""/>
+        <p:cNvGrpSpPr/>
+        <p:nvPr/>
+      </p:nvGrpSpPr>
+      <p:grpSpPr>
+        <a:xfrm>
+          <a:off x="0" y="0"/>
+          <a:ext cx="0" cy="0"/>
+          <a:chOff x="0" y="0"/>
+          <a:chExt cx="0" cy="0"/>
+        </a:xfrm>
+      </p:grpSpPr>
+      <mc:AlternateContent xmlns:mc="http://schemas.openxmlformats.org/markup-compatibility/2006" xmlns:a14="http://schemas.microsoft.com/office/drawing/2010/main">
+        <mc:Choice Requires="a14">
           <p:sp>
             <p:nvSpPr>
               <p:cNvPr id="2" name="Title 1">
@@ -4079,7 +4354,7 @@
             </p:txBody>
           </p:sp>
         </mc:Choice>
-        <mc:Fallback>
+        <mc:Fallback xmlns="">
           <p:sp>
             <p:nvSpPr>
               <p:cNvPr id="2" name="Title 1">
@@ -4271,7 +4546,7 @@
           <a:lstStyle/>
           <a:p>
             <a:fld id="{2A9E6CE3-ADFE-3548-8E7C-607B4D8A6BDF}" type="slidenum">
-              <a:t>3</a:t>
+              <a:t>4</a:t>
             </a:fld>
             <a:endParaRPr lang="en-VN"/>
           </a:p>
@@ -4290,7 +4565,7 @@
 </p:sld>
 </file>
 
-<file path=ppt/slides/slide4.xml><?xml version="1.0" encoding="utf-8"?>
+<file path=ppt/slides/slide5.xml><?xml version="1.0" encoding="utf-8"?>
 <p:sld xmlns:a="http://schemas.openxmlformats.org/drawingml/2006/main" xmlns:r="http://schemas.openxmlformats.org/officeDocument/2006/relationships" xmlns:p="http://schemas.openxmlformats.org/presentationml/2006/main">
   <p:cSld>
     <p:spTree>
@@ -4307,8 +4582,8 @@
           <a:chExt cx="0" cy="0"/>
         </a:xfrm>
       </p:grpSpPr>
-      <mc:AlternateContent xmlns:mc="http://schemas.openxmlformats.org/markup-compatibility/2006">
-        <mc:Choice xmlns:a14="http://schemas.microsoft.com/office/drawing/2010/main" Requires="a14">
+      <mc:AlternateContent xmlns:mc="http://schemas.openxmlformats.org/markup-compatibility/2006" xmlns:a14="http://schemas.microsoft.com/office/drawing/2010/main">
+        <mc:Choice Requires="a14">
           <p:sp>
             <p:nvSpPr>
               <p:cNvPr id="2" name="Title 1">
@@ -4426,7 +4701,7 @@
             </p:txBody>
           </p:sp>
         </mc:Choice>
-        <mc:Fallback>
+        <mc:Fallback xmlns="">
           <p:sp>
             <p:nvSpPr>
               <p:cNvPr id="2" name="Title 1">
@@ -4539,8 +4814,8 @@
           </a:prstGeom>
         </p:spPr>
       </p:pic>
-      <mc:AlternateContent xmlns:mc="http://schemas.openxmlformats.org/markup-compatibility/2006">
-        <mc:Choice xmlns:a14="http://schemas.microsoft.com/office/drawing/2010/main" Requires="a14">
+      <mc:AlternateContent xmlns:mc="http://schemas.openxmlformats.org/markup-compatibility/2006" xmlns:a14="http://schemas.microsoft.com/office/drawing/2010/main">
+        <mc:Choice Requires="a14">
           <p:sp>
             <p:nvSpPr>
               <p:cNvPr id="4" name="TextBox 3">
@@ -4569,6 +4844,7 @@
               </a:bodyPr>
               <a:lstStyle/>
               <a:p>
+                <a:pPr/>
                 <a14:m>
                   <m:oMathPara xmlns:m="http://schemas.openxmlformats.org/officeDocument/2006/math">
                     <m:oMathParaPr>
@@ -4652,7 +4928,7 @@
             </p:txBody>
           </p:sp>
         </mc:Choice>
-        <mc:Fallback>
+        <mc:Fallback xmlns="">
           <p:sp>
             <p:nvSpPr>
               <p:cNvPr id="4" name="TextBox 3">
@@ -4777,8 +5053,8 @@
           </a:fontRef>
         </p:style>
       </p:cxnSp>
-      <mc:AlternateContent xmlns:mc="http://schemas.openxmlformats.org/markup-compatibility/2006">
-        <mc:Choice xmlns:a14="http://schemas.microsoft.com/office/drawing/2010/main" Requires="a14">
+      <mc:AlternateContent xmlns:mc="http://schemas.openxmlformats.org/markup-compatibility/2006" xmlns:a14="http://schemas.microsoft.com/office/drawing/2010/main">
+        <mc:Choice Requires="a14">
           <p:sp>
             <p:nvSpPr>
               <p:cNvPr id="13" name="TextBox 12">
@@ -4945,7 +5221,13 @@
                                 <a:rPr lang="vi-VN" b="0" i="1">
                                   <a:latin typeface="Cambria Math" panose="02040503050406030204" pitchFamily="18" charset="0"/>
                                 </a:rPr>
-                                <m:t>25</m:t>
+                                <m:t>2</m:t>
+                              </m:r>
+                              <m:r>
+                                <a:rPr lang="vi-VN" b="0" i="1">
+                                  <a:latin typeface="Cambria Math" panose="02040503050406030204" pitchFamily="18" charset="0"/>
+                                </a:rPr>
+                                <m:t>5</m:t>
                               </m:r>
                             </m:e>
                             <m:e>
@@ -4970,7 +5252,7 @@
             </p:txBody>
           </p:sp>
         </mc:Choice>
-        <mc:Fallback>
+        <mc:Fallback xmlns="">
           <p:sp>
             <p:nvSpPr>
               <p:cNvPr id="13" name="TextBox 12">
@@ -5109,14 +5391,14 @@
           <a:lstStyle/>
           <a:p>
             <a:fld id="{2A9E6CE3-ADFE-3548-8E7C-607B4D8A6BDF}" type="slidenum">
-              <a:t>4</a:t>
+              <a:t>5</a:t>
             </a:fld>
             <a:endParaRPr lang="en-VN"/>
           </a:p>
         </p:txBody>
       </p:sp>
-      <mc:AlternateContent xmlns:mc="http://schemas.openxmlformats.org/markup-compatibility/2006">
-        <mc:Choice xmlns:p14="http://schemas.microsoft.com/office/powerpoint/2010/main" Requires="p14">
+      <mc:AlternateContent xmlns:mc="http://schemas.openxmlformats.org/markup-compatibility/2006" xmlns:p14="http://schemas.microsoft.com/office/powerpoint/2010/main">
+        <mc:Choice Requires="p14">
           <p:contentPart p14:bwMode="auto" r:id="rId6">
             <p14:nvContentPartPr>
               <p14:cNvPr id="18" name="Ink 17">
@@ -5135,7 +5417,7 @@
             </p14:xfrm>
           </p:contentPart>
         </mc:Choice>
-        <mc:Fallback>
+        <mc:Fallback xmlns="">
           <p:pic>
             <p:nvPicPr>
               <p:cNvPr id="18" name="Ink 17">
@@ -5179,7 +5461,7 @@
 </p:sld>
 </file>
 
-<file path=ppt/slides/slide5.xml><?xml version="1.0" encoding="utf-8"?>
+<file path=ppt/slides/slide6.xml><?xml version="1.0" encoding="utf-8"?>
 <p:sld xmlns:a="http://schemas.openxmlformats.org/drawingml/2006/main" xmlns:r="http://schemas.openxmlformats.org/officeDocument/2006/relationships" xmlns:p="http://schemas.openxmlformats.org/presentationml/2006/main">
   <p:cSld>
     <p:spTree>
@@ -5216,7 +5498,9 @@
             </p:nvSpPr>
             <p:spPr/>
             <p:txBody>
-              <a:bodyPr/>
+              <a:bodyPr>
+                <a:normAutofit fontScale="90000"/>
+              </a:bodyPr>
               <a:lstStyle/>
               <a:p>
                 <a:r>
@@ -5303,7 +5587,122 @@
                       <a:rPr lang="vi-VN" b="0" i="1">
                         <a:latin typeface="Cambria Math" panose="02040503050406030204" pitchFamily="18" charset="0"/>
                       </a:rPr>
-                      <m:t>∈[0,1]</m:t>
+                      <m:t>∈</m:t>
+                    </m:r>
+                    <m:d>
+                      <m:dPr>
+                        <m:begChr m:val="["/>
+                        <m:endChr m:val="]"/>
+                        <m:ctrlPr>
+                          <a:rPr lang="vi-VN" b="0" i="1">
+                            <a:latin typeface="Cambria Math" panose="02040503050406030204" pitchFamily="18" charset="0"/>
+                          </a:rPr>
+                        </m:ctrlPr>
+                      </m:dPr>
+                      <m:e>
+                        <m:r>
+                          <a:rPr lang="vi-VN" b="0" i="1">
+                            <a:latin typeface="Cambria Math" panose="02040503050406030204" pitchFamily="18" charset="0"/>
+                          </a:rPr>
+                          <m:t>0,1</m:t>
+                        </m:r>
+                      </m:e>
+                    </m:d>
+                    <m:r>
+                      <a:rPr lang="vi-VN" b="0" i="1">
+                        <a:latin typeface="Cambria Math" panose="02040503050406030204" pitchFamily="18" charset="0"/>
+                      </a:rPr>
+                      <m:t>→</m:t>
+                    </m:r>
+                    <m:r>
+                      <a:rPr lang="vi-VN" i="1">
+                        <a:latin typeface="Cambria Math" panose="02040503050406030204" pitchFamily="18" charset="0"/>
+                      </a:rPr>
+                      <m:t>Đư</m:t>
+                    </m:r>
+                    <m:r>
+                      <m:rPr>
+                        <m:sty m:val="p"/>
+                      </m:rPr>
+                      <a:rPr lang="vi-VN" i="1">
+                        <a:latin typeface="Cambria Math" panose="02040503050406030204" pitchFamily="18" charset="0"/>
+                      </a:rPr>
+                      <m:t>a</m:t>
+                    </m:r>
+                    <m:r>
+                      <a:rPr lang="vi-VN" b="0" i="1">
+                        <a:latin typeface="Cambria Math" panose="02040503050406030204" pitchFamily="18" charset="0"/>
+                      </a:rPr>
+                      <m:t> </m:t>
+                    </m:r>
+                    <m:r>
+                      <m:rPr>
+                        <m:sty m:val="p"/>
+                      </m:rPr>
+                      <a:rPr lang="vi-VN" i="1">
+                        <a:latin typeface="Cambria Math" panose="02040503050406030204" pitchFamily="18" charset="0"/>
+                      </a:rPr>
+                      <m:t>v</m:t>
+                    </m:r>
+                    <m:r>
+                      <a:rPr lang="vi-VN" i="1">
+                        <a:latin typeface="Cambria Math" panose="02040503050406030204" pitchFamily="18" charset="0"/>
+                      </a:rPr>
+                      <m:t>ề </m:t>
+                    </m:r>
+                    <m:r>
+                      <m:rPr>
+                        <m:sty m:val="p"/>
+                      </m:rPr>
+                      <a:rPr lang="vi-VN" i="1">
+                        <a:latin typeface="Cambria Math" panose="02040503050406030204" pitchFamily="18" charset="0"/>
+                      </a:rPr>
+                      <m:t>s</m:t>
+                    </m:r>
+                    <m:r>
+                      <a:rPr lang="vi-VN" i="1">
+                        <a:latin typeface="Cambria Math" panose="02040503050406030204" pitchFamily="18" charset="0"/>
+                      </a:rPr>
+                      <m:t>ố </m:t>
+                    </m:r>
+                    <m:r>
+                      <m:rPr>
+                        <m:sty m:val="p"/>
+                      </m:rPr>
+                      <a:rPr lang="vi-VN" i="1">
+                        <a:latin typeface="Cambria Math" panose="02040503050406030204" pitchFamily="18" charset="0"/>
+                      </a:rPr>
+                      <m:t>ph</m:t>
+                    </m:r>
+                    <m:r>
+                      <a:rPr lang="vi-VN" i="1">
+                        <a:latin typeface="Cambria Math" panose="02040503050406030204" pitchFamily="18" charset="0"/>
+                      </a:rPr>
+                      <m:t>ứ</m:t>
+                    </m:r>
+                    <m:r>
+                      <m:rPr>
+                        <m:sty m:val="p"/>
+                      </m:rPr>
+                      <a:rPr lang="vi-VN" i="1">
+                        <a:latin typeface="Cambria Math" panose="02040503050406030204" pitchFamily="18" charset="0"/>
+                      </a:rPr>
+                      <m:t>c</m:t>
+                    </m:r>
+                    <m:r>
+                      <a:rPr lang="vi-VN" b="0" i="1">
+                        <a:latin typeface="Cambria Math" panose="02040503050406030204" pitchFamily="18" charset="0"/>
+                      </a:rPr>
+                      <m:t> </m:t>
+                    </m:r>
+                    <m:r>
+                      <m:rPr>
+                        <m:sty m:val="p"/>
+                      </m:rPr>
+                      <a:rPr lang="vi-VN" i="1">
+                        <a:latin typeface="Cambria Math" panose="02040503050406030204" pitchFamily="18" charset="0"/>
+                      </a:rPr>
+                      <m:t>C</m:t>
                     </m:r>
                   </m:oMath>
                 </a14:m>
@@ -5336,7 +5735,7 @@
               <a:blipFill>
                 <a:blip r:embed="rId2"/>
                 <a:stretch>
-                  <a:fillRect l="-2413"/>
+                  <a:fillRect l="-2171"/>
                 </a:stretch>
               </a:blipFill>
             </p:spPr>
@@ -5577,8 +5976,8 @@
           </a:fontRef>
         </p:style>
       </p:cxnSp>
-      <mc:AlternateContent xmlns:mc="http://schemas.openxmlformats.org/markup-compatibility/2006">
-        <mc:Choice xmlns:a14="http://schemas.microsoft.com/office/drawing/2010/main" Requires="a14">
+      <mc:AlternateContent xmlns:mc="http://schemas.openxmlformats.org/markup-compatibility/2006" xmlns:a14="http://schemas.microsoft.com/office/drawing/2010/main">
+        <mc:Choice Requires="a14">
           <p:sp>
             <p:nvSpPr>
               <p:cNvPr id="19" name="TextBox 18">
@@ -5607,6 +6006,7 @@
               </a:bodyPr>
               <a:lstStyle/>
               <a:p>
+                <a:pPr/>
                 <a14:m>
                   <m:oMathPara xmlns:m="http://schemas.openxmlformats.org/officeDocument/2006/math">
                     <m:oMathParaPr>
@@ -5642,7 +6042,7 @@
             </p:txBody>
           </p:sp>
         </mc:Choice>
-        <mc:Fallback>
+        <mc:Fallback xmlns="">
           <p:sp>
             <p:nvSpPr>
               <p:cNvPr id="19" name="TextBox 18">
@@ -5728,8 +6128,8 @@
           </a:fontRef>
         </p:style>
       </p:cxnSp>
-      <mc:AlternateContent xmlns:mc="http://schemas.openxmlformats.org/markup-compatibility/2006">
-        <mc:Choice xmlns:a14="http://schemas.microsoft.com/office/drawing/2010/main" Requires="a14">
+      <mc:AlternateContent xmlns:mc="http://schemas.openxmlformats.org/markup-compatibility/2006" xmlns:a14="http://schemas.microsoft.com/office/drawing/2010/main">
+        <mc:Choice Requires="a14">
           <p:sp>
             <p:nvSpPr>
               <p:cNvPr id="21" name="TextBox 20">
@@ -5758,6 +6158,7 @@
               </a:bodyPr>
               <a:lstStyle/>
               <a:p>
+                <a:pPr/>
                 <a14:m>
                   <m:oMathPara xmlns:m="http://schemas.openxmlformats.org/officeDocument/2006/math">
                     <m:oMathParaPr>
@@ -5787,7 +6188,7 @@
             </p:txBody>
           </p:sp>
         </mc:Choice>
-        <mc:Fallback>
+        <mc:Fallback xmlns="">
           <p:sp>
             <p:nvSpPr>
               <p:cNvPr id="21" name="TextBox 20">
@@ -5832,8 +6233,8 @@
           </p:sp>
         </mc:Fallback>
       </mc:AlternateContent>
-      <mc:AlternateContent xmlns:mc="http://schemas.openxmlformats.org/markup-compatibility/2006">
-        <mc:Choice xmlns:a14="http://schemas.microsoft.com/office/drawing/2010/main" Requires="a14">
+      <mc:AlternateContent xmlns:mc="http://schemas.openxmlformats.org/markup-compatibility/2006" xmlns:a14="http://schemas.microsoft.com/office/drawing/2010/main">
+        <mc:Choice Requires="a14">
           <p:sp>
             <p:nvSpPr>
               <p:cNvPr id="23" name="Rectangle 22">
@@ -6021,7 +6422,7 @@
             </p:txBody>
           </p:sp>
         </mc:Choice>
-        <mc:Fallback>
+        <mc:Fallback xmlns="">
           <p:sp>
             <p:nvSpPr>
               <p:cNvPr id="23" name="Rectangle 22">
@@ -6071,8 +6472,8 @@
           </p:sp>
         </mc:Fallback>
       </mc:AlternateContent>
-      <mc:AlternateContent xmlns:mc="http://schemas.openxmlformats.org/markup-compatibility/2006">
-        <mc:Choice xmlns:a14="http://schemas.microsoft.com/office/drawing/2010/main" Requires="a14">
+      <mc:AlternateContent xmlns:mc="http://schemas.openxmlformats.org/markup-compatibility/2006" xmlns:a14="http://schemas.microsoft.com/office/drawing/2010/main">
+        <mc:Choice Requires="a14">
           <p:sp>
             <p:nvSpPr>
               <p:cNvPr id="24" name="TextBox 23">
@@ -6101,6 +6502,7 @@
               </a:bodyPr>
               <a:lstStyle/>
               <a:p>
+                <a:pPr/>
                 <a14:m>
                   <m:oMathPara xmlns:m="http://schemas.openxmlformats.org/officeDocument/2006/math">
                     <m:oMathParaPr>
@@ -6184,7 +6586,7 @@
             </p:txBody>
           </p:sp>
         </mc:Choice>
-        <mc:Fallback>
+        <mc:Fallback xmlns="">
           <p:sp>
             <p:nvSpPr>
               <p:cNvPr id="24" name="TextBox 23">
@@ -6229,8 +6631,8 @@
           </p:sp>
         </mc:Fallback>
       </mc:AlternateContent>
-      <mc:AlternateContent xmlns:mc="http://schemas.openxmlformats.org/markup-compatibility/2006">
-        <mc:Choice xmlns:a14="http://schemas.microsoft.com/office/drawing/2010/main" Requires="a14">
+      <mc:AlternateContent xmlns:mc="http://schemas.openxmlformats.org/markup-compatibility/2006" xmlns:a14="http://schemas.microsoft.com/office/drawing/2010/main">
+        <mc:Choice Requires="a14">
           <p:sp>
             <p:nvSpPr>
               <p:cNvPr id="25" name="TextBox 24">
@@ -6259,6 +6661,7 @@
               </a:bodyPr>
               <a:lstStyle/>
               <a:p>
+                <a:pPr/>
                 <a14:m>
                   <m:oMathPara xmlns:m="http://schemas.openxmlformats.org/officeDocument/2006/math">
                     <m:oMathParaPr>
@@ -6342,7 +6745,7 @@
             </p:txBody>
           </p:sp>
         </mc:Choice>
-        <mc:Fallback>
+        <mc:Fallback xmlns="">
           <p:sp>
             <p:nvSpPr>
               <p:cNvPr id="25" name="TextBox 24">
@@ -6409,63 +6812,12 @@
           <a:lstStyle/>
           <a:p>
             <a:fld id="{2A9E6CE3-ADFE-3548-8E7C-607B4D8A6BDF}" type="slidenum">
-              <a:t>5</a:t>
+              <a:t>6</a:t>
             </a:fld>
             <a:endParaRPr lang="en-VN"/>
           </a:p>
         </p:txBody>
       </p:sp>
-      <mc:AlternateContent xmlns:mc="http://schemas.openxmlformats.org/markup-compatibility/2006">
-        <mc:Choice xmlns:p14="http://schemas.microsoft.com/office/powerpoint/2010/main" Requires="p14">
-          <p:contentPart p14:bwMode="auto" r:id="rId8">
-            <p14:nvContentPartPr>
-              <p14:cNvPr id="27" name="Ink 26">
-                <a:extLst>
-                  <a:ext uri="{FF2B5EF4-FFF2-40B4-BE49-F238E27FC236}">
-                    <a16:creationId xmlns:a16="http://schemas.microsoft.com/office/drawing/2014/main" id="{FCCD2C79-3EB1-B886-ABF2-D650EA63C6FF}"/>
-                  </a:ext>
-                </a:extLst>
-              </p14:cNvPr>
-              <p14:cNvContentPartPr/>
-              <p14:nvPr/>
-            </p14:nvContentPartPr>
-            <p14:xfrm>
-              <a:off x="2611440" y="2200320"/>
-              <a:ext cx="7842240" cy="2565360"/>
-            </p14:xfrm>
-          </p:contentPart>
-        </mc:Choice>
-        <mc:Fallback>
-          <p:pic>
-            <p:nvPicPr>
-              <p:cNvPr id="27" name="Ink 26">
-                <a:extLst>
-                  <a:ext uri="{FF2B5EF4-FFF2-40B4-BE49-F238E27FC236}">
-                    <a16:creationId xmlns:a16="http://schemas.microsoft.com/office/drawing/2014/main" id="{FCCD2C79-3EB1-B886-ABF2-D650EA63C6FF}"/>
-                  </a:ext>
-                </a:extLst>
-              </p:cNvPr>
-              <p:cNvPicPr/>
-              <p:nvPr/>
-            </p:nvPicPr>
-            <p:blipFill>
-              <a:blip r:embed="rId9"/>
-              <a:stretch>
-                <a:fillRect/>
-              </a:stretch>
-            </p:blipFill>
-            <p:spPr>
-              <a:xfrm>
-                <a:off x="2602080" y="2190960"/>
-                <a:ext cx="7860960" cy="2584080"/>
-              </a:xfrm>
-              <a:prstGeom prst="rect">
-                <a:avLst/>
-              </a:prstGeom>
-            </p:spPr>
-          </p:pic>
-        </mc:Fallback>
-      </mc:AlternateContent>
     </p:spTree>
     <p:extLst>
       <p:ext uri="{BB962C8B-B14F-4D97-AF65-F5344CB8AC3E}">
